--- a/ATM.pptx
+++ b/ATM.pptx
@@ -5,10 +5,15 @@
     <p:sldMasterId id="2147483761" r:id="rId1"/>
   </p:sldMasterIdLst>
   <p:sldIdLst>
-    <p:sldId id="256" r:id="rId2"/>
-    <p:sldId id="257" r:id="rId3"/>
+    <p:sldId id="257" r:id="rId2"/>
+    <p:sldId id="256" r:id="rId3"/>
     <p:sldId id="258" r:id="rId4"/>
-    <p:sldId id="259" r:id="rId5"/>
+    <p:sldId id="260" r:id="rId5"/>
+    <p:sldId id="259" r:id="rId6"/>
+    <p:sldId id="261" r:id="rId7"/>
+    <p:sldId id="262" r:id="rId8"/>
+    <p:sldId id="263" r:id="rId9"/>
+    <p:sldId id="264" r:id="rId10"/>
   </p:sldIdLst>
   <p:sldSz cx="12192000" cy="6858000"/>
   <p:notesSz cx="6858000" cy="9144000"/>
@@ -5816,170 +5821,57 @@
           <a:chExt cx="0" cy="0"/>
         </a:xfrm>
       </p:grpSpPr>
-      <p:sp>
-        <p:nvSpPr>
-          <p:cNvPr id="2" name="Title 1"/>
-          <p:cNvSpPr>
-            <a:spLocks noGrp="1"/>
-          </p:cNvSpPr>
-          <p:nvPr>
-            <p:ph type="ctrTitle"/>
-          </p:nvPr>
-        </p:nvSpPr>
+      <p:pic>
+        <p:nvPicPr>
+          <p:cNvPr id="4" name="Content Placeholder 3"/>
+          <p:cNvPicPr>
+            <a:picLocks noGrp="1" noChangeAspect="1"/>
+          </p:cNvPicPr>
+          <p:nvPr>
+            <p:ph idx="1"/>
+          </p:nvPr>
+        </p:nvPicPr>
+        <p:blipFill>
+          <a:blip r:embed="rId2">
+            <a:extLst>
+              <a:ext uri="{28A0092B-C50C-407E-A947-70E740481C1C}">
+                <a14:useLocalDpi xmlns:a14="http://schemas.microsoft.com/office/drawing/2010/main" val="0"/>
+              </a:ext>
+            </a:extLst>
+          </a:blip>
+          <a:stretch>
+            <a:fillRect/>
+          </a:stretch>
+        </p:blipFill>
         <p:spPr>
           <a:xfrm>
-            <a:off x="1507067" y="1088136"/>
-            <a:ext cx="7766936" cy="2240324"/>
+            <a:off x="621284" y="0"/>
+            <a:ext cx="6858000" cy="6858000"/>
           </a:xfrm>
         </p:spPr>
-        <p:txBody>
-          <a:bodyPr/>
-          <a:lstStyle/>
-          <a:p>
-            <a:r>
-              <a:rPr lang="en-US" sz="6000" b="1" dirty="0" smtClean="0">
-                <a:solidFill>
-                  <a:srgbClr val="FF6600"/>
-                </a:solidFill>
-                <a:effectLst>
-                  <a:outerShdw blurRad="38100" dist="38100" dir="2700000" algn="tl">
-                    <a:srgbClr val="000000">
-                      <a:alpha val="43137"/>
-                    </a:srgbClr>
-                  </a:outerShdw>
-                </a:effectLst>
-              </a:rPr>
-              <a:t>ATM </a:t>
-            </a:r>
-            <a:r>
-              <a:rPr lang="en-US" sz="6000" b="1" dirty="0" err="1" smtClean="0">
-                <a:solidFill>
-                  <a:srgbClr val="FF6600"/>
-                </a:solidFill>
-                <a:effectLst>
-                  <a:outerShdw blurRad="38100" dist="38100" dir="2700000" algn="tl">
-                    <a:srgbClr val="000000">
-                      <a:alpha val="43137"/>
-                    </a:srgbClr>
-                  </a:outerShdw>
-                </a:effectLst>
-              </a:rPr>
-              <a:t>Cashflow</a:t>
-            </a:r>
-            <a:r>
-              <a:rPr lang="en-US" sz="6000" b="1" dirty="0" smtClean="0">
-                <a:solidFill>
-                  <a:srgbClr val="FF6600"/>
-                </a:solidFill>
-                <a:effectLst>
-                  <a:outerShdw blurRad="38100" dist="38100" dir="2700000" algn="tl">
-                    <a:srgbClr val="000000">
-                      <a:alpha val="43137"/>
-                    </a:srgbClr>
-                  </a:outerShdw>
-                </a:effectLst>
-              </a:rPr>
-              <a:t> Prediction</a:t>
-            </a:r>
-            <a:endParaRPr lang="en-US" sz="6000" b="1" dirty="0">
-              <a:solidFill>
-                <a:srgbClr val="FF6600"/>
-              </a:solidFill>
-              <a:effectLst>
-                <a:outerShdw blurRad="38100" dist="38100" dir="2700000" algn="tl">
-                  <a:srgbClr val="000000">
-                    <a:alpha val="43137"/>
-                  </a:srgbClr>
-                </a:outerShdw>
-              </a:effectLst>
-            </a:endParaRPr>
-          </a:p>
-        </p:txBody>
-      </p:sp>
-      <p:sp>
-        <p:nvSpPr>
-          <p:cNvPr id="3" name="Subtitle 2"/>
-          <p:cNvSpPr>
-            <a:spLocks noGrp="1"/>
-          </p:cNvSpPr>
-          <p:nvPr>
-            <p:ph type="subTitle" idx="1"/>
-          </p:nvPr>
-        </p:nvSpPr>
-        <p:spPr>
-          <a:xfrm>
-            <a:off x="1507067" y="4818888"/>
-            <a:ext cx="7766936" cy="969264"/>
-          </a:xfrm>
-        </p:spPr>
-        <p:txBody>
-          <a:bodyPr>
-            <a:normAutofit/>
-          </a:bodyPr>
-          <a:lstStyle/>
-          <a:p>
-            <a:r>
-              <a:rPr lang="en-US" sz="2000" dirty="0" smtClean="0">
-                <a:solidFill>
-                  <a:schemeClr val="tx1">
-                    <a:lumMod val="85000"/>
-                  </a:schemeClr>
-                </a:solidFill>
-              </a:rPr>
-              <a:t>Giorgi Kokaia</a:t>
-            </a:r>
-          </a:p>
-          <a:p>
-            <a:r>
-              <a:rPr lang="en-US" sz="2000" dirty="0" err="1" smtClean="0">
-                <a:solidFill>
-                  <a:schemeClr val="tx1">
-                    <a:lumMod val="85000"/>
-                  </a:schemeClr>
-                </a:solidFill>
-              </a:rPr>
-              <a:t>Nugzar</a:t>
-            </a:r>
-            <a:r>
-              <a:rPr lang="en-US" sz="2000" dirty="0" smtClean="0">
-                <a:solidFill>
-                  <a:schemeClr val="tx1">
-                    <a:lumMod val="85000"/>
-                  </a:schemeClr>
-                </a:solidFill>
-              </a:rPr>
-              <a:t> </a:t>
-            </a:r>
-            <a:r>
-              <a:rPr lang="en-US" sz="2000" dirty="0" err="1" smtClean="0">
-                <a:solidFill>
-                  <a:schemeClr val="tx1">
-                    <a:lumMod val="85000"/>
-                  </a:schemeClr>
-                </a:solidFill>
-              </a:rPr>
-              <a:t>Gognadze</a:t>
-            </a:r>
-            <a:endParaRPr lang="en-US" sz="2000" dirty="0">
-              <a:solidFill>
-                <a:schemeClr val="tx1">
-                  <a:lumMod val="85000"/>
-                </a:schemeClr>
-              </a:solidFill>
-            </a:endParaRPr>
-          </a:p>
-        </p:txBody>
-      </p:sp>
+      </p:pic>
     </p:spTree>
     <p:extLst>
       <p:ext uri="{BB962C8B-B14F-4D97-AF65-F5344CB8AC3E}">
-        <p14:creationId xmlns:p14="http://schemas.microsoft.com/office/powerpoint/2010/main" val="472986112"/>
+        <p14:creationId xmlns:p14="http://schemas.microsoft.com/office/powerpoint/2010/main" val="3869136082"/>
       </p:ext>
     </p:extLst>
   </p:cSld>
   <p:clrMapOvr>
     <a:masterClrMapping/>
   </p:clrMapOvr>
+  <mc:AlternateContent xmlns:mc="http://schemas.openxmlformats.org/markup-compatibility/2006" xmlns:p14="http://schemas.microsoft.com/office/powerpoint/2010/main">
+    <mc:Choice Requires="p14">
+      <p:transition spd="med" p14:dur="700">
+        <p:fade/>
+      </p:transition>
+    </mc:Choice>
+    <mc:Fallback xmlns="">
+      <p:transition spd="med">
+        <p:fade/>
+      </p:transition>
+    </mc:Fallback>
+  </mc:AlternateContent>
   <p:timing>
     <p:tnLst>
       <p:par>
@@ -6007,45 +5899,150 @@
           <a:chExt cx="0" cy="0"/>
         </a:xfrm>
       </p:grpSpPr>
-      <p:pic>
-        <p:nvPicPr>
-          <p:cNvPr id="4" name="Content Placeholder 3"/>
-          <p:cNvPicPr>
-            <a:picLocks noGrp="1" noChangeAspect="1"/>
-          </p:cNvPicPr>
-          <p:nvPr>
-            <p:ph idx="1"/>
-          </p:nvPr>
-        </p:nvPicPr>
-        <p:blipFill>
-          <a:blip r:embed="rId2">
-            <a:extLst>
-              <a:ext uri="{28A0092B-C50C-407E-A947-70E740481C1C}">
-                <a14:useLocalDpi xmlns:a14="http://schemas.microsoft.com/office/drawing/2010/main" val="0"/>
-              </a:ext>
-            </a:extLst>
-          </a:blip>
-          <a:stretch>
-            <a:fillRect/>
-          </a:stretch>
-        </p:blipFill>
+      <p:sp>
+        <p:nvSpPr>
+          <p:cNvPr id="2" name="Title 1"/>
+          <p:cNvSpPr>
+            <a:spLocks noGrp="1"/>
+          </p:cNvSpPr>
+          <p:nvPr>
+            <p:ph type="ctrTitle"/>
+          </p:nvPr>
+        </p:nvSpPr>
         <p:spPr>
           <a:xfrm>
-            <a:off x="1316228" y="0"/>
-            <a:ext cx="6858000" cy="6858000"/>
+            <a:off x="1507067" y="1088136"/>
+            <a:ext cx="7766936" cy="2240324"/>
           </a:xfrm>
         </p:spPr>
-      </p:pic>
+        <p:txBody>
+          <a:bodyPr/>
+          <a:lstStyle/>
+          <a:p>
+            <a:r>
+              <a:rPr lang="en-US" sz="6000" b="1" dirty="0" smtClean="0">
+                <a:solidFill>
+                  <a:srgbClr val="FF6600"/>
+                </a:solidFill>
+                <a:effectLst>
+                  <a:outerShdw blurRad="38100" dist="38100" dir="2700000" algn="tl">
+                    <a:srgbClr val="000000">
+                      <a:alpha val="43137"/>
+                    </a:srgbClr>
+                  </a:outerShdw>
+                </a:effectLst>
+              </a:rPr>
+              <a:t>ATM </a:t>
+            </a:r>
+            <a:r>
+              <a:rPr lang="en-US" sz="6000" b="1" dirty="0" err="1" smtClean="0">
+                <a:solidFill>
+                  <a:srgbClr val="FF6600"/>
+                </a:solidFill>
+                <a:effectLst>
+                  <a:outerShdw blurRad="38100" dist="38100" dir="2700000" algn="tl">
+                    <a:srgbClr val="000000">
+                      <a:alpha val="43137"/>
+                    </a:srgbClr>
+                  </a:outerShdw>
+                </a:effectLst>
+              </a:rPr>
+              <a:t>Cashflow</a:t>
+            </a:r>
+            <a:r>
+              <a:rPr lang="en-US" sz="6000" b="1" dirty="0" smtClean="0">
+                <a:solidFill>
+                  <a:srgbClr val="FF6600"/>
+                </a:solidFill>
+                <a:effectLst>
+                  <a:outerShdw blurRad="38100" dist="38100" dir="2700000" algn="tl">
+                    <a:srgbClr val="000000">
+                      <a:alpha val="43137"/>
+                    </a:srgbClr>
+                  </a:outerShdw>
+                </a:effectLst>
+              </a:rPr>
+              <a:t> Prediction</a:t>
+            </a:r>
+            <a:endParaRPr lang="en-US" sz="6000" b="1" dirty="0">
+              <a:solidFill>
+                <a:srgbClr val="FF6600"/>
+              </a:solidFill>
+              <a:effectLst>
+                <a:outerShdw blurRad="38100" dist="38100" dir="2700000" algn="tl">
+                  <a:srgbClr val="000000">
+                    <a:alpha val="43137"/>
+                  </a:srgbClr>
+                </a:outerShdw>
+              </a:effectLst>
+            </a:endParaRPr>
+          </a:p>
+        </p:txBody>
+      </p:sp>
+      <p:sp>
+        <p:nvSpPr>
+          <p:cNvPr id="3" name="Subtitle 2"/>
+          <p:cNvSpPr>
+            <a:spLocks noGrp="1"/>
+          </p:cNvSpPr>
+          <p:nvPr>
+            <p:ph type="subTitle" idx="1"/>
+          </p:nvPr>
+        </p:nvSpPr>
+        <p:spPr>
+          <a:xfrm>
+            <a:off x="1507067" y="4818888"/>
+            <a:ext cx="7766936" cy="969264"/>
+          </a:xfrm>
+        </p:spPr>
+        <p:txBody>
+          <a:bodyPr>
+            <a:normAutofit/>
+          </a:bodyPr>
+          <a:lstStyle/>
+          <a:p>
+            <a:r>
+              <a:rPr lang="en-US" sz="2000" dirty="0" smtClean="0">
+                <a:solidFill>
+                  <a:schemeClr val="tx1">
+                    <a:lumMod val="85000"/>
+                  </a:schemeClr>
+                </a:solidFill>
+              </a:rPr>
+              <a:t>Giorgi Kokaia</a:t>
+            </a:r>
+          </a:p>
+        </p:txBody>
+      </p:sp>
     </p:spTree>
     <p:extLst>
       <p:ext uri="{BB962C8B-B14F-4D97-AF65-F5344CB8AC3E}">
-        <p14:creationId xmlns:p14="http://schemas.microsoft.com/office/powerpoint/2010/main" val="3869136082"/>
+        <p14:creationId xmlns:p14="http://schemas.microsoft.com/office/powerpoint/2010/main" val="472986112"/>
       </p:ext>
     </p:extLst>
   </p:cSld>
   <p:clrMapOvr>
     <a:masterClrMapping/>
   </p:clrMapOvr>
+  <mc:AlternateContent xmlns:mc="http://schemas.openxmlformats.org/markup-compatibility/2006" xmlns:p14="http://schemas.microsoft.com/office/powerpoint/2010/main">
+    <mc:Choice Requires="p14">
+      <p:transition spd="med" p14:dur="700">
+        <p:fade/>
+      </p:transition>
+    </mc:Choice>
+    <mc:Fallback xmlns="">
+      <p:transition spd="med">
+        <p:fade/>
+      </p:transition>
+    </mc:Fallback>
+  </mc:AlternateContent>
+  <p:timing>
+    <p:tnLst>
+      <p:par>
+        <p:cTn id="1" dur="indefinite" restart="never" nodeType="tmRoot"/>
+      </p:par>
+    </p:tnLst>
+  </p:timing>
 </p:sld>
 </file>
 
@@ -6117,7 +6114,7 @@
             <p:ph idx="1"/>
             <p:extLst>
               <p:ext uri="{D42A27DB-BD31-4B8C-83A1-F6EECF244321}">
-                <p14:modId xmlns:p14="http://schemas.microsoft.com/office/powerpoint/2010/main" val="3119591740"/>
+                <p14:modId xmlns:p14="http://schemas.microsoft.com/office/powerpoint/2010/main" val="2420291922"/>
               </p:ext>
             </p:extLst>
           </p:nvPr>
@@ -6165,7 +6162,7 @@
                             <a:schemeClr val="bg1"/>
                           </a:solidFill>
                         </a:rPr>
-                        <a:t>ATM</a:t>
+                        <a:t>ATMs</a:t>
                       </a:r>
                       <a:endParaRPr lang="en-US" sz="2800" dirty="0">
                         <a:solidFill>
@@ -6703,6 +6700,18 @@
   <p:clrMapOvr>
     <a:masterClrMapping/>
   </p:clrMapOvr>
+  <mc:AlternateContent xmlns:mc="http://schemas.openxmlformats.org/markup-compatibility/2006" xmlns:p14="http://schemas.microsoft.com/office/powerpoint/2010/main">
+    <mc:Choice Requires="p14">
+      <p:transition spd="med" p14:dur="700">
+        <p:fade/>
+      </p:transition>
+    </mc:Choice>
+    <mc:Fallback xmlns="">
+      <p:transition spd="med">
+        <p:fade/>
+      </p:transition>
+    </mc:Fallback>
+  </mc:AlternateContent>
   <p:timing>
     <p:tnLst>
       <p:par>
@@ -6740,12 +6749,544 @@
             <p:ph type="title"/>
           </p:nvPr>
         </p:nvSpPr>
-        <p:spPr/>
+        <p:spPr>
+          <a:xfrm>
+            <a:off x="594360" y="307848"/>
+            <a:ext cx="3081528" cy="1320800"/>
+          </a:xfrm>
+        </p:spPr>
         <p:txBody>
           <a:bodyPr/>
           <a:lstStyle/>
           <a:p>
+            <a:r>
+              <a:rPr lang="en-US" b="1" dirty="0" smtClean="0"/>
+              <a:t>ATM activity </a:t>
+            </a:r>
+            <a:r>
+              <a:rPr lang="en-US" b="1" dirty="0" err="1" smtClean="0"/>
+              <a:t>heatmap</a:t>
+            </a:r>
+            <a:r>
+              <a:rPr lang="en-US" b="1" dirty="0" smtClean="0"/>
+              <a:t> </a:t>
+            </a:r>
+            <a:endParaRPr lang="en-US" b="1" dirty="0"/>
+          </a:p>
+        </p:txBody>
+      </p:sp>
+      <p:pic>
+        <p:nvPicPr>
+          <p:cNvPr id="4" name="Picture 3"/>
+          <p:cNvPicPr>
+            <a:picLocks noChangeAspect="1"/>
+          </p:cNvPicPr>
+          <p:nvPr/>
+        </p:nvPicPr>
+        <p:blipFill>
+          <a:blip r:embed="rId2">
+            <a:extLst>
+              <a:ext uri="{BEBA8EAE-BF5A-486C-A8C5-ECC9F3942E4B}">
+                <a14:imgProps xmlns:a14="http://schemas.microsoft.com/office/drawing/2010/main">
+                  <a14:imgLayer r:embed="rId3">
+                    <a14:imgEffect>
+                      <a14:brightnessContrast bright="20000" contrast="20000"/>
+                    </a14:imgEffect>
+                  </a14:imgLayer>
+                </a14:imgProps>
+              </a:ext>
+              <a:ext uri="{28A0092B-C50C-407E-A947-70E740481C1C}">
+                <a14:useLocalDpi xmlns:a14="http://schemas.microsoft.com/office/drawing/2010/main" val="0"/>
+              </a:ext>
+            </a:extLst>
+          </a:blip>
+          <a:stretch>
+            <a:fillRect/>
+          </a:stretch>
+        </p:blipFill>
+        <p:spPr>
+          <a:xfrm>
+            <a:off x="4389120" y="99429"/>
+            <a:ext cx="7662672" cy="6657987"/>
+          </a:xfrm>
+          <a:prstGeom prst="rect">
+            <a:avLst/>
+          </a:prstGeom>
+        </p:spPr>
+      </p:pic>
+      <p:sp>
+        <p:nvSpPr>
+          <p:cNvPr id="5" name="TextBox 4"/>
+          <p:cNvSpPr txBox="1"/>
+          <p:nvPr/>
+        </p:nvSpPr>
+        <p:spPr>
+          <a:xfrm>
+            <a:off x="64008" y="2249424"/>
+            <a:ext cx="4443984" cy="1938992"/>
+          </a:xfrm>
+          <a:prstGeom prst="rect">
+            <a:avLst/>
+          </a:prstGeom>
+          <a:noFill/>
+        </p:spPr>
+        <p:txBody>
+          <a:bodyPr wrap="square" rtlCol="0">
+            <a:spAutoFit/>
+          </a:bodyPr>
+          <a:lstStyle/>
+          <a:p>
+            <a:r>
+              <a:rPr lang="en-US" sz="2400" b="1" dirty="0" smtClean="0">
+                <a:solidFill>
+                  <a:srgbClr val="0070C0"/>
+                </a:solidFill>
+              </a:rPr>
+              <a:t>Group 1 – Full historical data</a:t>
+            </a:r>
+          </a:p>
+          <a:p>
+            <a:endParaRPr lang="en-US" sz="2400" b="1" dirty="0" smtClean="0">
+              <a:solidFill>
+                <a:srgbClr val="0070C0"/>
+              </a:solidFill>
+            </a:endParaRPr>
+          </a:p>
+          <a:p>
+            <a:r>
+              <a:rPr lang="en-US" sz="2400" b="1" dirty="0" smtClean="0">
+                <a:solidFill>
+                  <a:srgbClr val="7030A0"/>
+                </a:solidFill>
+              </a:rPr>
+              <a:t>Group 2 – Inactive</a:t>
+            </a:r>
+          </a:p>
+          <a:p>
+            <a:endParaRPr lang="en-US" sz="2400" b="1" dirty="0" smtClean="0">
+              <a:solidFill>
+                <a:srgbClr val="7030A0"/>
+              </a:solidFill>
+            </a:endParaRPr>
+          </a:p>
+          <a:p>
+            <a:r>
+              <a:rPr lang="en-US" sz="2400" b="1" dirty="0" smtClean="0">
+                <a:solidFill>
+                  <a:srgbClr val="00B050"/>
+                </a:solidFill>
+              </a:rPr>
+              <a:t>Group 3 – Recently added</a:t>
+            </a:r>
+            <a:endParaRPr lang="en-US" sz="2400" b="1" dirty="0">
+              <a:solidFill>
+                <a:srgbClr val="00B050"/>
+              </a:solidFill>
+            </a:endParaRPr>
+          </a:p>
+        </p:txBody>
+      </p:sp>
+      <p:sp>
+        <p:nvSpPr>
+          <p:cNvPr id="6" name="Rectangle 5"/>
+          <p:cNvSpPr/>
+          <p:nvPr/>
+        </p:nvSpPr>
+        <p:spPr>
+          <a:xfrm>
+            <a:off x="4700016" y="219456"/>
+            <a:ext cx="6345936" cy="3387344"/>
+          </a:xfrm>
+          <a:prstGeom prst="rect">
+            <a:avLst/>
+          </a:prstGeom>
+          <a:noFill/>
+          <a:ln w="38100">
+            <a:solidFill>
+              <a:srgbClr val="0070C0"/>
+            </a:solidFill>
+          </a:ln>
+        </p:spPr>
+        <p:style>
+          <a:lnRef idx="2">
+            <a:schemeClr val="accent1">
+              <a:shade val="50000"/>
+            </a:schemeClr>
+          </a:lnRef>
+          <a:fillRef idx="1">
+            <a:schemeClr val="accent1"/>
+          </a:fillRef>
+          <a:effectRef idx="0">
+            <a:schemeClr val="accent1"/>
+          </a:effectRef>
+          <a:fontRef idx="minor">
+            <a:schemeClr val="lt1"/>
+          </a:fontRef>
+        </p:style>
+        <p:txBody>
+          <a:bodyPr rtlCol="0" anchor="ctr"/>
+          <a:lstStyle/>
+          <a:p>
+            <a:pPr algn="ctr"/>
             <a:endParaRPr lang="en-US"/>
+          </a:p>
+        </p:txBody>
+      </p:sp>
+      <p:sp>
+        <p:nvSpPr>
+          <p:cNvPr id="7" name="Rectangle 6"/>
+          <p:cNvSpPr/>
+          <p:nvPr/>
+        </p:nvSpPr>
+        <p:spPr>
+          <a:xfrm>
+            <a:off x="4700016" y="3648456"/>
+            <a:ext cx="6345936" cy="1192784"/>
+          </a:xfrm>
+          <a:prstGeom prst="rect">
+            <a:avLst/>
+          </a:prstGeom>
+          <a:noFill/>
+          <a:ln w="38100">
+            <a:solidFill>
+              <a:srgbClr val="7030A0"/>
+            </a:solidFill>
+          </a:ln>
+        </p:spPr>
+        <p:style>
+          <a:lnRef idx="2">
+            <a:schemeClr val="accent1">
+              <a:shade val="50000"/>
+            </a:schemeClr>
+          </a:lnRef>
+          <a:fillRef idx="1">
+            <a:schemeClr val="accent1"/>
+          </a:fillRef>
+          <a:effectRef idx="0">
+            <a:schemeClr val="accent1"/>
+          </a:effectRef>
+          <a:fontRef idx="minor">
+            <a:schemeClr val="lt1"/>
+          </a:fontRef>
+        </p:style>
+        <p:txBody>
+          <a:bodyPr rtlCol="0" anchor="ctr"/>
+          <a:lstStyle/>
+          <a:p>
+            <a:pPr algn="ctr"/>
+            <a:endParaRPr lang="en-US"/>
+          </a:p>
+        </p:txBody>
+      </p:sp>
+      <p:sp>
+        <p:nvSpPr>
+          <p:cNvPr id="8" name="Rectangle 7"/>
+          <p:cNvSpPr/>
+          <p:nvPr/>
+        </p:nvSpPr>
+        <p:spPr>
+          <a:xfrm>
+            <a:off x="4700016" y="4882896"/>
+            <a:ext cx="6345936" cy="1005840"/>
+          </a:xfrm>
+          <a:prstGeom prst="rect">
+            <a:avLst/>
+          </a:prstGeom>
+          <a:noFill/>
+          <a:ln w="38100">
+            <a:solidFill>
+              <a:srgbClr val="00B050"/>
+            </a:solidFill>
+          </a:ln>
+        </p:spPr>
+        <p:style>
+          <a:lnRef idx="2">
+            <a:schemeClr val="accent1">
+              <a:shade val="50000"/>
+            </a:schemeClr>
+          </a:lnRef>
+          <a:fillRef idx="1">
+            <a:schemeClr val="accent1"/>
+          </a:fillRef>
+          <a:effectRef idx="0">
+            <a:schemeClr val="accent1"/>
+          </a:effectRef>
+          <a:fontRef idx="minor">
+            <a:schemeClr val="lt1"/>
+          </a:fontRef>
+        </p:style>
+        <p:txBody>
+          <a:bodyPr rtlCol="0" anchor="ctr"/>
+          <a:lstStyle/>
+          <a:p>
+            <a:pPr algn="ctr"/>
+            <a:endParaRPr lang="en-US"/>
+          </a:p>
+        </p:txBody>
+      </p:sp>
+    </p:spTree>
+    <p:extLst>
+      <p:ext uri="{BB962C8B-B14F-4D97-AF65-F5344CB8AC3E}">
+        <p14:creationId xmlns:p14="http://schemas.microsoft.com/office/powerpoint/2010/main" val="4158838409"/>
+      </p:ext>
+    </p:extLst>
+  </p:cSld>
+  <p:clrMapOvr>
+    <a:masterClrMapping/>
+  </p:clrMapOvr>
+  <mc:AlternateContent xmlns:mc="http://schemas.openxmlformats.org/markup-compatibility/2006" xmlns:p14="http://schemas.microsoft.com/office/powerpoint/2010/main">
+    <mc:Choice Requires="p14">
+      <p:transition spd="med" p14:dur="700">
+        <p:fade/>
+      </p:transition>
+    </mc:Choice>
+    <mc:Fallback xmlns="">
+      <p:transition spd="med">
+        <p:fade/>
+      </p:transition>
+    </mc:Fallback>
+  </mc:AlternateContent>
+  <p:timing>
+    <p:tnLst>
+      <p:par>
+        <p:cTn id="1" dur="indefinite" restart="never" nodeType="tmRoot">
+          <p:childTnLst>
+            <p:seq concurrent="1" nextAc="seek">
+              <p:cTn id="2" dur="indefinite" nodeType="mainSeq">
+                <p:childTnLst>
+                  <p:par>
+                    <p:cTn id="3" fill="hold">
+                      <p:stCondLst>
+                        <p:cond delay="indefinite"/>
+                      </p:stCondLst>
+                      <p:childTnLst>
+                        <p:par>
+                          <p:cTn id="4" fill="hold">
+                            <p:stCondLst>
+                              <p:cond delay="0"/>
+                            </p:stCondLst>
+                            <p:childTnLst>
+                              <p:par>
+                                <p:cTn id="5" presetID="10" presetClass="entr" presetSubtype="0" fill="hold" grpId="0" nodeType="clickEffect">
+                                  <p:stCondLst>
+                                    <p:cond delay="0"/>
+                                  </p:stCondLst>
+                                  <p:childTnLst>
+                                    <p:set>
+                                      <p:cBhvr>
+                                        <p:cTn id="6" dur="1" fill="hold">
+                                          <p:stCondLst>
+                                            <p:cond delay="0"/>
+                                          </p:stCondLst>
+                                        </p:cTn>
+                                        <p:tgtEl>
+                                          <p:spTgt spid="8"/>
+                                        </p:tgtEl>
+                                        <p:attrNameLst>
+                                          <p:attrName>style.visibility</p:attrName>
+                                        </p:attrNameLst>
+                                      </p:cBhvr>
+                                      <p:to>
+                                        <p:strVal val="visible"/>
+                                      </p:to>
+                                    </p:set>
+                                    <p:animEffect transition="in" filter="fade">
+                                      <p:cBhvr>
+                                        <p:cTn id="7" dur="500"/>
+                                        <p:tgtEl>
+                                          <p:spTgt spid="8"/>
+                                        </p:tgtEl>
+                                      </p:cBhvr>
+                                    </p:animEffect>
+                                  </p:childTnLst>
+                                </p:cTn>
+                              </p:par>
+                              <p:par>
+                                <p:cTn id="8" presetID="10" presetClass="entr" presetSubtype="0" fill="hold" grpId="0" nodeType="withEffect">
+                                  <p:stCondLst>
+                                    <p:cond delay="0"/>
+                                  </p:stCondLst>
+                                  <p:childTnLst>
+                                    <p:set>
+                                      <p:cBhvr>
+                                        <p:cTn id="9" dur="1" fill="hold">
+                                          <p:stCondLst>
+                                            <p:cond delay="0"/>
+                                          </p:stCondLst>
+                                        </p:cTn>
+                                        <p:tgtEl>
+                                          <p:spTgt spid="7"/>
+                                        </p:tgtEl>
+                                        <p:attrNameLst>
+                                          <p:attrName>style.visibility</p:attrName>
+                                        </p:attrNameLst>
+                                      </p:cBhvr>
+                                      <p:to>
+                                        <p:strVal val="visible"/>
+                                      </p:to>
+                                    </p:set>
+                                    <p:animEffect transition="in" filter="fade">
+                                      <p:cBhvr>
+                                        <p:cTn id="10" dur="500"/>
+                                        <p:tgtEl>
+                                          <p:spTgt spid="7"/>
+                                        </p:tgtEl>
+                                      </p:cBhvr>
+                                    </p:animEffect>
+                                  </p:childTnLst>
+                                </p:cTn>
+                              </p:par>
+                              <p:par>
+                                <p:cTn id="11" presetID="10" presetClass="entr" presetSubtype="0" fill="hold" grpId="0" nodeType="withEffect">
+                                  <p:stCondLst>
+                                    <p:cond delay="0"/>
+                                  </p:stCondLst>
+                                  <p:childTnLst>
+                                    <p:set>
+                                      <p:cBhvr>
+                                        <p:cTn id="12" dur="1" fill="hold">
+                                          <p:stCondLst>
+                                            <p:cond delay="0"/>
+                                          </p:stCondLst>
+                                        </p:cTn>
+                                        <p:tgtEl>
+                                          <p:spTgt spid="6"/>
+                                        </p:tgtEl>
+                                        <p:attrNameLst>
+                                          <p:attrName>style.visibility</p:attrName>
+                                        </p:attrNameLst>
+                                      </p:cBhvr>
+                                      <p:to>
+                                        <p:strVal val="visible"/>
+                                      </p:to>
+                                    </p:set>
+                                    <p:animEffect transition="in" filter="fade">
+                                      <p:cBhvr>
+                                        <p:cTn id="13" dur="500"/>
+                                        <p:tgtEl>
+                                          <p:spTgt spid="6"/>
+                                        </p:tgtEl>
+                                      </p:cBhvr>
+                                    </p:animEffect>
+                                  </p:childTnLst>
+                                </p:cTn>
+                              </p:par>
+                              <p:par>
+                                <p:cTn id="14" presetID="10" presetClass="entr" presetSubtype="0" fill="hold" grpId="0" nodeType="withEffect">
+                                  <p:stCondLst>
+                                    <p:cond delay="0"/>
+                                  </p:stCondLst>
+                                  <p:childTnLst>
+                                    <p:set>
+                                      <p:cBhvr>
+                                        <p:cTn id="15" dur="1" fill="hold">
+                                          <p:stCondLst>
+                                            <p:cond delay="0"/>
+                                          </p:stCondLst>
+                                        </p:cTn>
+                                        <p:tgtEl>
+                                          <p:spTgt spid="5"/>
+                                        </p:tgtEl>
+                                        <p:attrNameLst>
+                                          <p:attrName>style.visibility</p:attrName>
+                                        </p:attrNameLst>
+                                      </p:cBhvr>
+                                      <p:to>
+                                        <p:strVal val="visible"/>
+                                      </p:to>
+                                    </p:set>
+                                    <p:animEffect transition="in" filter="fade">
+                                      <p:cBhvr>
+                                        <p:cTn id="16" dur="500"/>
+                                        <p:tgtEl>
+                                          <p:spTgt spid="5"/>
+                                        </p:tgtEl>
+                                      </p:cBhvr>
+                                    </p:animEffect>
+                                  </p:childTnLst>
+                                </p:cTn>
+                              </p:par>
+                            </p:childTnLst>
+                          </p:cTn>
+                        </p:par>
+                      </p:childTnLst>
+                    </p:cTn>
+                  </p:par>
+                </p:childTnLst>
+              </p:cTn>
+              <p:prevCondLst>
+                <p:cond evt="onPrev" delay="0">
+                  <p:tgtEl>
+                    <p:sldTgt/>
+                  </p:tgtEl>
+                </p:cond>
+              </p:prevCondLst>
+              <p:nextCondLst>
+                <p:cond evt="onNext" delay="0">
+                  <p:tgtEl>
+                    <p:sldTgt/>
+                  </p:tgtEl>
+                </p:cond>
+              </p:nextCondLst>
+            </p:seq>
+          </p:childTnLst>
+        </p:cTn>
+      </p:par>
+    </p:tnLst>
+    <p:bldLst>
+      <p:bldP spid="5" grpId="0"/>
+      <p:bldP spid="6" grpId="0" animBg="1"/>
+      <p:bldP spid="7" grpId="0" animBg="1"/>
+      <p:bldP spid="8" grpId="0" animBg="1"/>
+    </p:bldLst>
+  </p:timing>
+</p:sld>
+</file>
+
+<file path=ppt/slides/slide5.xml><?xml version="1.0" encoding="utf-8"?>
+<p:sld xmlns:a="http://schemas.openxmlformats.org/drawingml/2006/main" xmlns:r="http://schemas.openxmlformats.org/officeDocument/2006/relationships" xmlns:p="http://schemas.openxmlformats.org/presentationml/2006/main">
+  <p:cSld>
+    <p:spTree>
+      <p:nvGrpSpPr>
+        <p:cNvPr id="1" name=""/>
+        <p:cNvGrpSpPr/>
+        <p:nvPr/>
+      </p:nvGrpSpPr>
+      <p:grpSpPr>
+        <a:xfrm>
+          <a:off x="0" y="0"/>
+          <a:ext cx="0" cy="0"/>
+          <a:chOff x="0" y="0"/>
+          <a:chExt cx="0" cy="0"/>
+        </a:xfrm>
+      </p:grpSpPr>
+      <p:sp>
+        <p:nvSpPr>
+          <p:cNvPr id="2" name="Title 1"/>
+          <p:cNvSpPr>
+            <a:spLocks noGrp="1"/>
+          </p:cNvSpPr>
+          <p:nvPr>
+            <p:ph type="title"/>
+          </p:nvPr>
+        </p:nvSpPr>
+        <p:spPr>
+          <a:xfrm>
+            <a:off x="677334" y="609600"/>
+            <a:ext cx="8596668" cy="624840"/>
+          </a:xfrm>
+        </p:spPr>
+        <p:txBody>
+          <a:bodyPr>
+            <a:normAutofit fontScale="90000"/>
+          </a:bodyPr>
+          <a:lstStyle/>
+          <a:p>
+            <a:r>
+              <a:rPr lang="en-US" b="1" dirty="0" smtClean="0"/>
+              <a:t>Prediction methods</a:t>
+            </a:r>
+            <a:endParaRPr lang="en-US" b="1" dirty="0"/>
           </a:p>
         </p:txBody>
       </p:sp>
@@ -6758,14 +7299,14 @@
           <p:nvPr>
             <p:extLst>
               <p:ext uri="{D42A27DB-BD31-4B8C-83A1-F6EECF244321}">
-                <p14:modId xmlns:p14="http://schemas.microsoft.com/office/powerpoint/2010/main" val="2928895513"/>
+                <p14:modId xmlns:p14="http://schemas.microsoft.com/office/powerpoint/2010/main" val="3944121312"/>
               </p:ext>
             </p:extLst>
           </p:nvPr>
         </p:nvGraphicFramePr>
         <p:xfrm>
-          <a:off x="1014981" y="2224596"/>
-          <a:ext cx="7543802" cy="3783012"/>
+          <a:off x="411477" y="1566228"/>
+          <a:ext cx="8999223" cy="5191188"/>
         </p:xfrm>
         <a:graphic>
           <a:graphicData uri="http://schemas.openxmlformats.org/drawingml/2006/table">
@@ -6774,10 +7315,11 @@
                 <a:tableStyleId>{69012ECD-51FC-41F1-AA8D-1B2483CD663E}</a:tableStyleId>
               </a:tblPr>
               <a:tblGrid>
-                <a:gridCol w="3483867"/>
-                <a:gridCol w="4059935"/>
+                <a:gridCol w="2140594"/>
+                <a:gridCol w="2725977"/>
+                <a:gridCol w="4132652"/>
               </a:tblGrid>
-              <a:tr h="945753">
+              <a:tr h="1102608">
                 <a:tc>
                   <a:txBody>
                     <a:bodyPr/>
@@ -6795,7 +7337,44 @@
                       </a:endParaRPr>
                     </a:p>
                   </a:txBody>
-                  <a:tcPr anchor="ctr"/>
+                  <a:tcPr anchor="ctr">
+                    <a:lnL w="38100" cap="flat" cmpd="sng" algn="ctr">
+                      <a:solidFill>
+                        <a:schemeClr val="accent1"/>
+                      </a:solidFill>
+                      <a:prstDash val="solid"/>
+                      <a:round/>
+                      <a:headEnd type="none" w="med" len="med"/>
+                      <a:tailEnd type="none" w="med" len="med"/>
+                    </a:lnL>
+                    <a:lnR w="38100" cap="flat" cmpd="sng" algn="ctr">
+                      <a:solidFill>
+                        <a:schemeClr val="accent1"/>
+                      </a:solidFill>
+                      <a:prstDash val="solid"/>
+                      <a:round/>
+                      <a:headEnd type="none" w="med" len="med"/>
+                      <a:tailEnd type="none" w="med" len="med"/>
+                    </a:lnR>
+                    <a:lnT w="38100" cap="flat" cmpd="sng" algn="ctr">
+                      <a:solidFill>
+                        <a:schemeClr val="accent1"/>
+                      </a:solidFill>
+                      <a:prstDash val="solid"/>
+                      <a:round/>
+                      <a:headEnd type="none" w="med" len="med"/>
+                      <a:tailEnd type="none" w="med" len="med"/>
+                    </a:lnT>
+                    <a:lnB w="38100" cap="flat" cmpd="sng" algn="ctr">
+                      <a:solidFill>
+                        <a:schemeClr val="accent1"/>
+                      </a:solidFill>
+                      <a:prstDash val="solid"/>
+                      <a:round/>
+                      <a:headEnd type="none" w="med" len="med"/>
+                      <a:tailEnd type="none" w="med" len="med"/>
+                    </a:lnB>
+                  </a:tcPr>
                 </a:tc>
                 <a:tc>
                   <a:txBody>
@@ -6818,27 +7397,44 @@
                       </a:endParaRPr>
                     </a:p>
                   </a:txBody>
-                  <a:tcPr anchor="ctr"/>
-                </a:tc>
-              </a:tr>
-              <a:tr h="945753">
-                <a:tc>
-                  <a:txBody>
-                    <a:bodyPr/>
-                    <a:lstStyle/>
-                    <a:p>
-                      <a:pPr algn="ctr"/>
-                      <a:r>
-                        <a:rPr lang="en-US" sz="2000" dirty="0" smtClean="0">
-                          <a:solidFill>
-                            <a:schemeClr val="tx1"/>
-                          </a:solidFill>
-                        </a:rPr>
-                        <a:t>First Group</a:t>
-                      </a:r>
-                    </a:p>
-                  </a:txBody>
-                  <a:tcPr anchor="ctr"/>
+                  <a:tcPr anchor="ctr">
+                    <a:lnL w="38100" cap="flat" cmpd="sng" algn="ctr">
+                      <a:solidFill>
+                        <a:schemeClr val="accent1"/>
+                      </a:solidFill>
+                      <a:prstDash val="solid"/>
+                      <a:round/>
+                      <a:headEnd type="none" w="med" len="med"/>
+                      <a:tailEnd type="none" w="med" len="med"/>
+                    </a:lnL>
+                    <a:lnR w="38100" cap="flat" cmpd="sng" algn="ctr">
+                      <a:solidFill>
+                        <a:schemeClr val="accent1"/>
+                      </a:solidFill>
+                      <a:prstDash val="solid"/>
+                      <a:round/>
+                      <a:headEnd type="none" w="med" len="med"/>
+                      <a:tailEnd type="none" w="med" len="med"/>
+                    </a:lnR>
+                    <a:lnT w="38100" cap="flat" cmpd="sng" algn="ctr">
+                      <a:solidFill>
+                        <a:schemeClr val="accent1"/>
+                      </a:solidFill>
+                      <a:prstDash val="solid"/>
+                      <a:round/>
+                      <a:headEnd type="none" w="med" len="med"/>
+                      <a:tailEnd type="none" w="med" len="med"/>
+                    </a:lnT>
+                    <a:lnB w="38100" cap="flat" cmpd="sng" algn="ctr">
+                      <a:solidFill>
+                        <a:schemeClr val="accent1"/>
+                      </a:solidFill>
+                      <a:prstDash val="solid"/>
+                      <a:round/>
+                      <a:headEnd type="none" w="med" len="med"/>
+                      <a:tailEnd type="none" w="med" len="med"/>
+                    </a:lnB>
+                  </a:tcPr>
                 </a:tc>
                 <a:tc>
                   <a:txBody>
@@ -6847,7 +7443,132 @@
                     <a:p>
                       <a:pPr algn="ctr"/>
                       <a:r>
-                        <a:rPr lang="en-US" sz="2000" dirty="0" smtClean="0">
+                        <a:rPr lang="en-US" sz="2000" b="1" dirty="0" smtClean="0">
+                          <a:solidFill>
+                            <a:schemeClr val="bg1"/>
+                          </a:solidFill>
+                        </a:rPr>
+                        <a:t>Prediction</a:t>
+                      </a:r>
+                      <a:endParaRPr lang="en-US" sz="2000" b="1" dirty="0">
+                        <a:solidFill>
+                          <a:schemeClr val="bg1"/>
+                        </a:solidFill>
+                      </a:endParaRPr>
+                    </a:p>
+                  </a:txBody>
+                  <a:tcPr anchor="ctr">
+                    <a:lnL w="38100" cap="flat" cmpd="sng" algn="ctr">
+                      <a:solidFill>
+                        <a:schemeClr val="accent1"/>
+                      </a:solidFill>
+                      <a:prstDash val="solid"/>
+                      <a:round/>
+                      <a:headEnd type="none" w="med" len="med"/>
+                      <a:tailEnd type="none" w="med" len="med"/>
+                    </a:lnL>
+                    <a:lnR w="38100" cap="flat" cmpd="sng" algn="ctr">
+                      <a:solidFill>
+                        <a:schemeClr val="accent1"/>
+                      </a:solidFill>
+                      <a:prstDash val="solid"/>
+                      <a:round/>
+                      <a:headEnd type="none" w="med" len="med"/>
+                      <a:tailEnd type="none" w="med" len="med"/>
+                    </a:lnR>
+                    <a:lnT w="38100" cap="flat" cmpd="sng" algn="ctr">
+                      <a:solidFill>
+                        <a:schemeClr val="accent1"/>
+                      </a:solidFill>
+                      <a:prstDash val="solid"/>
+                      <a:round/>
+                      <a:headEnd type="none" w="med" len="med"/>
+                      <a:tailEnd type="none" w="med" len="med"/>
+                    </a:lnT>
+                    <a:lnB w="38100" cap="flat" cmpd="sng" algn="ctr">
+                      <a:solidFill>
+                        <a:schemeClr val="accent1"/>
+                      </a:solidFill>
+                      <a:prstDash val="solid"/>
+                      <a:round/>
+                      <a:headEnd type="none" w="med" len="med"/>
+                      <a:tailEnd type="none" w="med" len="med"/>
+                    </a:lnB>
+                  </a:tcPr>
+                </a:tc>
+              </a:tr>
+              <a:tr h="1102608">
+                <a:tc>
+                  <a:txBody>
+                    <a:bodyPr/>
+                    <a:lstStyle/>
+                    <a:p>
+                      <a:pPr algn="ctr"/>
+                      <a:r>
+                        <a:rPr lang="en-US" sz="2000" b="1" dirty="0" smtClean="0">
+                          <a:solidFill>
+                            <a:schemeClr val="tx1"/>
+                          </a:solidFill>
+                        </a:rPr>
+                        <a:t>Group 1</a:t>
+                      </a:r>
+                    </a:p>
+                  </a:txBody>
+                  <a:tcPr anchor="ctr">
+                    <a:lnL w="38100" cap="flat" cmpd="sng" algn="ctr">
+                      <a:solidFill>
+                        <a:schemeClr val="accent1"/>
+                      </a:solidFill>
+                      <a:prstDash val="solid"/>
+                      <a:round/>
+                      <a:headEnd type="none" w="med" len="med"/>
+                      <a:tailEnd type="none" w="med" len="med"/>
+                    </a:lnL>
+                    <a:lnR w="38100" cap="flat" cmpd="sng" algn="ctr">
+                      <a:solidFill>
+                        <a:schemeClr val="accent1"/>
+                      </a:solidFill>
+                      <a:prstDash val="solid"/>
+                      <a:round/>
+                      <a:headEnd type="none" w="med" len="med"/>
+                      <a:tailEnd type="none" w="med" len="med"/>
+                    </a:lnR>
+                    <a:lnT w="38100" cap="flat" cmpd="sng" algn="ctr">
+                      <a:solidFill>
+                        <a:schemeClr val="accent1"/>
+                      </a:solidFill>
+                      <a:prstDash val="solid"/>
+                      <a:round/>
+                      <a:headEnd type="none" w="med" len="med"/>
+                      <a:tailEnd type="none" w="med" len="med"/>
+                    </a:lnT>
+                    <a:lnB w="38100" cap="flat" cmpd="sng" algn="ctr">
+                      <a:solidFill>
+                        <a:schemeClr val="accent1"/>
+                      </a:solidFill>
+                      <a:prstDash val="solid"/>
+                      <a:round/>
+                      <a:headEnd type="none" w="med" len="med"/>
+                      <a:tailEnd type="none" w="med" len="med"/>
+                    </a:lnB>
+                    <a:lnTlToBr w="12700" cmpd="sng">
+                      <a:noFill/>
+                      <a:prstDash val="solid"/>
+                    </a:lnTlToBr>
+                    <a:lnBlToTr w="12700" cmpd="sng">
+                      <a:noFill/>
+                      <a:prstDash val="solid"/>
+                    </a:lnBlToTr>
+                  </a:tcPr>
+                </a:tc>
+                <a:tc>
+                  <a:txBody>
+                    <a:bodyPr/>
+                    <a:lstStyle/>
+                    <a:p>
+                      <a:pPr algn="ctr"/>
+                      <a:r>
+                        <a:rPr lang="en-US" sz="2000" b="1" dirty="0" smtClean="0">
                           <a:solidFill>
                             <a:schemeClr val="tx1"/>
                           </a:solidFill>
@@ -6861,10 +7582,131 @@
                       </a:endParaRPr>
                     </a:p>
                   </a:txBody>
-                  <a:tcPr anchor="ctr"/>
+                  <a:tcPr anchor="ctr">
+                    <a:lnL w="38100" cap="flat" cmpd="sng" algn="ctr">
+                      <a:solidFill>
+                        <a:schemeClr val="accent1"/>
+                      </a:solidFill>
+                      <a:prstDash val="solid"/>
+                      <a:round/>
+                      <a:headEnd type="none" w="med" len="med"/>
+                      <a:tailEnd type="none" w="med" len="med"/>
+                    </a:lnL>
+                    <a:lnR w="38100" cap="flat" cmpd="sng" algn="ctr">
+                      <a:solidFill>
+                        <a:schemeClr val="accent1"/>
+                      </a:solidFill>
+                      <a:prstDash val="solid"/>
+                      <a:round/>
+                      <a:headEnd type="none" w="med" len="med"/>
+                      <a:tailEnd type="none" w="med" len="med"/>
+                    </a:lnR>
+                    <a:lnT w="38100" cap="flat" cmpd="sng" algn="ctr">
+                      <a:solidFill>
+                        <a:schemeClr val="accent1"/>
+                      </a:solidFill>
+                      <a:prstDash val="solid"/>
+                      <a:round/>
+                      <a:headEnd type="none" w="med" len="med"/>
+                      <a:tailEnd type="none" w="med" len="med"/>
+                    </a:lnT>
+                    <a:lnB w="38100" cap="flat" cmpd="sng" algn="ctr">
+                      <a:solidFill>
+                        <a:schemeClr val="accent1"/>
+                      </a:solidFill>
+                      <a:prstDash val="solid"/>
+                      <a:round/>
+                      <a:headEnd type="none" w="med" len="med"/>
+                      <a:tailEnd type="none" w="med" len="med"/>
+                    </a:lnB>
+                    <a:lnTlToBr w="12700" cmpd="sng">
+                      <a:noFill/>
+                      <a:prstDash val="solid"/>
+                    </a:lnTlToBr>
+                    <a:lnBlToTr w="12700" cmpd="sng">
+                      <a:noFill/>
+                      <a:prstDash val="solid"/>
+                    </a:lnBlToTr>
+                  </a:tcPr>
+                </a:tc>
+                <a:tc>
+                  <a:txBody>
+                    <a:bodyPr/>
+                    <a:lstStyle/>
+                    <a:p>
+                      <a:pPr lvl="1" algn="l"/>
+                      <a:r>
+                        <a:rPr lang="en-US" sz="2000" b="1" dirty="0" smtClean="0">
+                          <a:solidFill>
+                            <a:schemeClr val="tx1"/>
+                          </a:solidFill>
+                        </a:rPr>
+                        <a:t>Average of</a:t>
+                      </a:r>
+                      <a:r>
+                        <a:rPr lang="en-US" sz="2000" b="1" baseline="0" dirty="0" smtClean="0">
+                          <a:solidFill>
+                            <a:schemeClr val="tx1"/>
+                          </a:solidFill>
+                        </a:rPr>
+                        <a:t> respective day and month</a:t>
+                      </a:r>
+                      <a:endParaRPr lang="en-US" sz="2000" b="1" dirty="0">
+                        <a:solidFill>
+                          <a:schemeClr val="tx1"/>
+                        </a:solidFill>
+                      </a:endParaRPr>
+                    </a:p>
+                  </a:txBody>
+                  <a:tcPr anchor="ctr">
+                    <a:lnL w="38100" cap="flat" cmpd="sng" algn="ctr">
+                      <a:solidFill>
+                        <a:schemeClr val="accent1"/>
+                      </a:solidFill>
+                      <a:prstDash val="solid"/>
+                      <a:round/>
+                      <a:headEnd type="none" w="med" len="med"/>
+                      <a:tailEnd type="none" w="med" len="med"/>
+                    </a:lnL>
+                    <a:lnR w="38100" cap="flat" cmpd="sng" algn="ctr">
+                      <a:solidFill>
+                        <a:schemeClr val="accent1"/>
+                      </a:solidFill>
+                      <a:prstDash val="solid"/>
+                      <a:round/>
+                      <a:headEnd type="none" w="med" len="med"/>
+                      <a:tailEnd type="none" w="med" len="med"/>
+                    </a:lnR>
+                    <a:lnT w="38100" cap="flat" cmpd="sng" algn="ctr">
+                      <a:solidFill>
+                        <a:schemeClr val="accent1"/>
+                      </a:solidFill>
+                      <a:prstDash val="solid"/>
+                      <a:round/>
+                      <a:headEnd type="none" w="med" len="med"/>
+                      <a:tailEnd type="none" w="med" len="med"/>
+                    </a:lnT>
+                    <a:lnB w="38100" cap="flat" cmpd="sng" algn="ctr">
+                      <a:solidFill>
+                        <a:schemeClr val="accent1"/>
+                      </a:solidFill>
+                      <a:prstDash val="solid"/>
+                      <a:round/>
+                      <a:headEnd type="none" w="med" len="med"/>
+                      <a:tailEnd type="none" w="med" len="med"/>
+                    </a:lnB>
+                    <a:lnTlToBr w="12700" cmpd="sng">
+                      <a:noFill/>
+                      <a:prstDash val="solid"/>
+                    </a:lnTlToBr>
+                    <a:lnBlToTr w="12700" cmpd="sng">
+                      <a:noFill/>
+                      <a:prstDash val="solid"/>
+                    </a:lnBlToTr>
+                  </a:tcPr>
                 </a:tc>
               </a:tr>
-              <a:tr h="945753">
+              <a:tr h="1102608">
                 <a:tc>
                   <a:txBody>
                     <a:bodyPr/>
@@ -6872,29 +7714,58 @@
                     <a:p>
                       <a:pPr algn="ctr"/>
                       <a:r>
-                        <a:rPr lang="en-US" sz="2000" dirty="0" smtClean="0">
+                        <a:rPr lang="en-US" sz="2000" b="1" baseline="0" dirty="0" smtClean="0">
                           <a:solidFill>
                             <a:schemeClr val="tx1"/>
                           </a:solidFill>
                         </a:rPr>
-                        <a:t>Second</a:t>
+                        <a:t>Group 2</a:t>
                       </a:r>
-                      <a:r>
-                        <a:rPr lang="en-US" sz="2000" baseline="0" dirty="0" smtClean="0">
-                          <a:solidFill>
-                            <a:schemeClr val="tx1"/>
-                          </a:solidFill>
-                        </a:rPr>
-                        <a:t> Group</a:t>
-                      </a:r>
-                      <a:endParaRPr lang="en-US" sz="2000" dirty="0">
+                      <a:endParaRPr lang="en-US" sz="2000" b="1" dirty="0">
                         <a:solidFill>
                           <a:schemeClr val="tx1"/>
                         </a:solidFill>
                       </a:endParaRPr>
                     </a:p>
                   </a:txBody>
-                  <a:tcPr anchor="ctr"/>
+                  <a:tcPr anchor="ctr">
+                    <a:lnL w="38100" cap="flat" cmpd="sng" algn="ctr">
+                      <a:solidFill>
+                        <a:schemeClr val="accent1"/>
+                      </a:solidFill>
+                      <a:prstDash val="solid"/>
+                      <a:round/>
+                      <a:headEnd type="none" w="med" len="med"/>
+                      <a:tailEnd type="none" w="med" len="med"/>
+                    </a:lnL>
+                    <a:lnR w="38100" cap="flat" cmpd="sng" algn="ctr">
+                      <a:solidFill>
+                        <a:schemeClr val="accent1"/>
+                      </a:solidFill>
+                      <a:prstDash val="solid"/>
+                      <a:round/>
+                      <a:headEnd type="none" w="med" len="med"/>
+                      <a:tailEnd type="none" w="med" len="med"/>
+                    </a:lnR>
+                    <a:lnT w="38100" cap="flat" cmpd="sng" algn="ctr">
+                      <a:solidFill>
+                        <a:schemeClr val="accent1"/>
+                      </a:solidFill>
+                      <a:prstDash val="solid"/>
+                      <a:round/>
+                      <a:headEnd type="none" w="med" len="med"/>
+                      <a:tailEnd type="none" w="med" len="med"/>
+                    </a:lnT>
+                    <a:lnB w="38100" cap="flat" cmpd="sng" algn="ctr">
+                      <a:solidFill>
+                        <a:schemeClr val="accent1"/>
+                      </a:solidFill>
+                      <a:prstDash val="solid"/>
+                      <a:round/>
+                      <a:headEnd type="none" w="med" len="med"/>
+                      <a:tailEnd type="none" w="med" len="med"/>
+                    </a:lnB>
+                  </a:tcPr>
                 </a:tc>
                 <a:tc>
                   <a:txBody>
@@ -6925,10 +7796,45 @@
                       </a:endParaRPr>
                     </a:p>
                   </a:txBody>
-                  <a:tcPr anchor="ctr"/>
+                  <a:tcPr anchor="ctr">
+                    <a:lnL w="38100" cap="flat" cmpd="sng" algn="ctr">
+                      <a:solidFill>
+                        <a:schemeClr val="accent1"/>
+                      </a:solidFill>
+                      <a:prstDash val="solid"/>
+                      <a:round/>
+                      <a:headEnd type="none" w="med" len="med"/>
+                      <a:tailEnd type="none" w="med" len="med"/>
+                    </a:lnL>
+                    <a:lnR w="38100" cap="flat" cmpd="sng" algn="ctr">
+                      <a:solidFill>
+                        <a:schemeClr val="accent1"/>
+                      </a:solidFill>
+                      <a:prstDash val="solid"/>
+                      <a:round/>
+                      <a:headEnd type="none" w="med" len="med"/>
+                      <a:tailEnd type="none" w="med" len="med"/>
+                    </a:lnR>
+                    <a:lnT w="38100" cap="flat" cmpd="sng" algn="ctr">
+                      <a:solidFill>
+                        <a:schemeClr val="accent1"/>
+                      </a:solidFill>
+                      <a:prstDash val="solid"/>
+                      <a:round/>
+                      <a:headEnd type="none" w="med" len="med"/>
+                      <a:tailEnd type="none" w="med" len="med"/>
+                    </a:lnT>
+                    <a:lnB w="38100" cap="flat" cmpd="sng" algn="ctr">
+                      <a:solidFill>
+                        <a:schemeClr val="accent1"/>
+                      </a:solidFill>
+                      <a:prstDash val="solid"/>
+                      <a:round/>
+                      <a:headEnd type="none" w="med" len="med"/>
+                      <a:tailEnd type="none" w="med" len="med"/>
+                    </a:lnB>
+                  </a:tcPr>
                 </a:tc>
-              </a:tr>
-              <a:tr h="945753">
                 <a:tc>
                   <a:txBody>
                     <a:bodyPr/>
@@ -6936,21 +7842,120 @@
                     <a:p>
                       <a:pPr algn="ctr"/>
                       <a:r>
-                        <a:rPr lang="en-US" sz="2000" dirty="0" smtClean="0">
+                        <a:rPr lang="en-US" sz="2000" b="1" dirty="0" smtClean="0">
                           <a:solidFill>
                             <a:schemeClr val="tx1"/>
                           </a:solidFill>
                         </a:rPr>
-                        <a:t>Third Group</a:t>
+                        <a:t>0</a:t>
                       </a:r>
-                      <a:endParaRPr lang="en-US" sz="2000" dirty="0">
+                      <a:endParaRPr lang="en-US" sz="2000" b="1" dirty="0">
                         <a:solidFill>
                           <a:schemeClr val="tx1"/>
                         </a:solidFill>
                       </a:endParaRPr>
                     </a:p>
                   </a:txBody>
-                  <a:tcPr anchor="ctr"/>
+                  <a:tcPr anchor="ctr">
+                    <a:lnL w="38100" cap="flat" cmpd="sng" algn="ctr">
+                      <a:solidFill>
+                        <a:schemeClr val="accent1"/>
+                      </a:solidFill>
+                      <a:prstDash val="solid"/>
+                      <a:round/>
+                      <a:headEnd type="none" w="med" len="med"/>
+                      <a:tailEnd type="none" w="med" len="med"/>
+                    </a:lnL>
+                    <a:lnR w="38100" cap="flat" cmpd="sng" algn="ctr">
+                      <a:solidFill>
+                        <a:schemeClr val="accent1"/>
+                      </a:solidFill>
+                      <a:prstDash val="solid"/>
+                      <a:round/>
+                      <a:headEnd type="none" w="med" len="med"/>
+                      <a:tailEnd type="none" w="med" len="med"/>
+                    </a:lnR>
+                    <a:lnT w="38100" cap="flat" cmpd="sng" algn="ctr">
+                      <a:solidFill>
+                        <a:schemeClr val="accent1"/>
+                      </a:solidFill>
+                      <a:prstDash val="solid"/>
+                      <a:round/>
+                      <a:headEnd type="none" w="med" len="med"/>
+                      <a:tailEnd type="none" w="med" len="med"/>
+                    </a:lnT>
+                    <a:lnB w="38100" cap="flat" cmpd="sng" algn="ctr">
+                      <a:solidFill>
+                        <a:schemeClr val="accent1"/>
+                      </a:solidFill>
+                      <a:prstDash val="solid"/>
+                      <a:round/>
+                      <a:headEnd type="none" w="med" len="med"/>
+                      <a:tailEnd type="none" w="med" len="med"/>
+                    </a:lnB>
+                  </a:tcPr>
+                </a:tc>
+              </a:tr>
+              <a:tr h="1883364">
+                <a:tc>
+                  <a:txBody>
+                    <a:bodyPr/>
+                    <a:lstStyle/>
+                    <a:p>
+                      <a:pPr algn="ctr"/>
+                      <a:r>
+                        <a:rPr lang="en-US" sz="2000" b="1" dirty="0" smtClean="0">
+                          <a:solidFill>
+                            <a:schemeClr val="tx1"/>
+                          </a:solidFill>
+                        </a:rPr>
+                        <a:t>Group 3</a:t>
+                      </a:r>
+                      <a:endParaRPr lang="en-US" sz="2000" b="1" dirty="0">
+                        <a:solidFill>
+                          <a:schemeClr val="tx1"/>
+                        </a:solidFill>
+                      </a:endParaRPr>
+                    </a:p>
+                  </a:txBody>
+                  <a:tcPr anchor="ctr">
+                    <a:lnL w="38100" cap="flat" cmpd="sng" algn="ctr">
+                      <a:solidFill>
+                        <a:schemeClr val="accent1"/>
+                      </a:solidFill>
+                      <a:prstDash val="solid"/>
+                      <a:round/>
+                      <a:headEnd type="none" w="med" len="med"/>
+                      <a:tailEnd type="none" w="med" len="med"/>
+                    </a:lnL>
+                    <a:lnR w="38100" cap="flat" cmpd="sng" algn="ctr">
+                      <a:solidFill>
+                        <a:schemeClr val="accent1"/>
+                      </a:solidFill>
+                      <a:prstDash val="solid"/>
+                      <a:round/>
+                      <a:headEnd type="none" w="med" len="med"/>
+                      <a:tailEnd type="none" w="med" len="med"/>
+                    </a:lnR>
+                    <a:lnT w="38100" cap="flat" cmpd="sng" algn="ctr">
+                      <a:solidFill>
+                        <a:schemeClr val="accent1"/>
+                      </a:solidFill>
+                      <a:prstDash val="solid"/>
+                      <a:round/>
+                      <a:headEnd type="none" w="med" len="med"/>
+                      <a:tailEnd type="none" w="med" len="med"/>
+                    </a:lnT>
+                    <a:lnB w="38100" cap="flat" cmpd="sng" algn="ctr">
+                      <a:solidFill>
+                        <a:schemeClr val="accent1"/>
+                      </a:solidFill>
+                      <a:prstDash val="solid"/>
+                      <a:round/>
+                      <a:headEnd type="none" w="med" len="med"/>
+                      <a:tailEnd type="none" w="med" len="med"/>
+                    </a:lnB>
+                  </a:tcPr>
                 </a:tc>
                 <a:tc>
                   <a:txBody>
@@ -6981,7 +7986,195 @@
                       </a:endParaRPr>
                     </a:p>
                   </a:txBody>
-                  <a:tcPr anchor="ctr"/>
+                  <a:tcPr anchor="ctr">
+                    <a:lnL w="38100" cap="flat" cmpd="sng" algn="ctr">
+                      <a:solidFill>
+                        <a:schemeClr val="accent1"/>
+                      </a:solidFill>
+                      <a:prstDash val="solid"/>
+                      <a:round/>
+                      <a:headEnd type="none" w="med" len="med"/>
+                      <a:tailEnd type="none" w="med" len="med"/>
+                    </a:lnL>
+                    <a:lnR w="38100" cap="flat" cmpd="sng" algn="ctr">
+                      <a:solidFill>
+                        <a:schemeClr val="accent1"/>
+                      </a:solidFill>
+                      <a:prstDash val="solid"/>
+                      <a:round/>
+                      <a:headEnd type="none" w="med" len="med"/>
+                      <a:tailEnd type="none" w="med" len="med"/>
+                    </a:lnR>
+                    <a:lnT w="38100" cap="flat" cmpd="sng" algn="ctr">
+                      <a:solidFill>
+                        <a:schemeClr val="accent1"/>
+                      </a:solidFill>
+                      <a:prstDash val="solid"/>
+                      <a:round/>
+                      <a:headEnd type="none" w="med" len="med"/>
+                      <a:tailEnd type="none" w="med" len="med"/>
+                    </a:lnT>
+                    <a:lnB w="38100" cap="flat" cmpd="sng" algn="ctr">
+                      <a:solidFill>
+                        <a:schemeClr val="accent1"/>
+                      </a:solidFill>
+                      <a:prstDash val="solid"/>
+                      <a:round/>
+                      <a:headEnd type="none" w="med" len="med"/>
+                      <a:tailEnd type="none" w="med" len="med"/>
+                    </a:lnB>
+                  </a:tcPr>
+                </a:tc>
+                <a:tc>
+                  <a:txBody>
+                    <a:bodyPr/>
+                    <a:lstStyle/>
+                    <a:p>
+                      <a:pPr marL="342900" marR="0" indent="-342900" algn="l" defTabSz="457200" rtl="0" eaLnBrk="1" fontAlgn="auto" latinLnBrk="0" hangingPunct="1">
+                        <a:lnSpc>
+                          <a:spcPct val="100000"/>
+                        </a:lnSpc>
+                        <a:spcBef>
+                          <a:spcPts val="0"/>
+                        </a:spcBef>
+                        <a:spcAft>
+                          <a:spcPts val="0"/>
+                        </a:spcAft>
+                        <a:buClrTx/>
+                        <a:buSzTx/>
+                        <a:buFont typeface="Arial" panose="020B0604020202020204" pitchFamily="34" charset="0"/>
+                        <a:buChar char="•"/>
+                        <a:tabLst/>
+                        <a:defRPr/>
+                      </a:pPr>
+                      <a:r>
+                        <a:rPr lang="en-US" sz="2000" b="1" dirty="0" smtClean="0">
+                          <a:solidFill>
+                            <a:schemeClr val="tx1"/>
+                          </a:solidFill>
+                        </a:rPr>
+                        <a:t>Average of</a:t>
+                      </a:r>
+                      <a:r>
+                        <a:rPr lang="en-US" sz="2000" b="1" baseline="0" dirty="0" smtClean="0">
+                          <a:solidFill>
+                            <a:schemeClr val="tx1"/>
+                          </a:solidFill>
+                        </a:rPr>
+                        <a:t> respective day and month</a:t>
+                      </a:r>
+                      <a:endParaRPr lang="en-US" sz="2000" b="1" dirty="0" smtClean="0">
+                        <a:solidFill>
+                          <a:schemeClr val="tx1"/>
+                        </a:solidFill>
+                      </a:endParaRPr>
+                    </a:p>
+                    <a:p>
+                      <a:pPr marL="342900" marR="0" indent="-342900" algn="l" defTabSz="457200" rtl="0" eaLnBrk="1" fontAlgn="auto" latinLnBrk="0" hangingPunct="1">
+                        <a:lnSpc>
+                          <a:spcPct val="100000"/>
+                        </a:lnSpc>
+                        <a:spcBef>
+                          <a:spcPts val="0"/>
+                        </a:spcBef>
+                        <a:spcAft>
+                          <a:spcPts val="0"/>
+                        </a:spcAft>
+                        <a:buClrTx/>
+                        <a:buSzTx/>
+                        <a:buFont typeface="Arial" panose="020B0604020202020204" pitchFamily="34" charset="0"/>
+                        <a:buChar char="•"/>
+                        <a:tabLst/>
+                        <a:defRPr/>
+                      </a:pPr>
+                      <a:r>
+                        <a:rPr lang="en-US" sz="2000" b="1" dirty="0" smtClean="0">
+                          <a:solidFill>
+                            <a:schemeClr val="tx1"/>
+                          </a:solidFill>
+                        </a:rPr>
+                        <a:t>Average of</a:t>
+                      </a:r>
+                      <a:r>
+                        <a:rPr lang="en-US" sz="2000" b="1" baseline="0" dirty="0" smtClean="0">
+                          <a:solidFill>
+                            <a:schemeClr val="tx1"/>
+                          </a:solidFill>
+                        </a:rPr>
+                        <a:t> respective day</a:t>
+                      </a:r>
+                    </a:p>
+                    <a:p>
+                      <a:pPr marL="342900" marR="0" indent="-342900" algn="l" defTabSz="457200" rtl="0" eaLnBrk="1" fontAlgn="auto" latinLnBrk="0" hangingPunct="1">
+                        <a:lnSpc>
+                          <a:spcPct val="100000"/>
+                        </a:lnSpc>
+                        <a:spcBef>
+                          <a:spcPts val="0"/>
+                        </a:spcBef>
+                        <a:spcAft>
+                          <a:spcPts val="0"/>
+                        </a:spcAft>
+                        <a:buClrTx/>
+                        <a:buSzTx/>
+                        <a:buFont typeface="Arial" panose="020B0604020202020204" pitchFamily="34" charset="0"/>
+                        <a:buChar char="•"/>
+                        <a:tabLst/>
+                        <a:defRPr/>
+                      </a:pPr>
+                      <a:r>
+                        <a:rPr lang="en-US" sz="2000" b="1" baseline="0" dirty="0" smtClean="0">
+                          <a:solidFill>
+                            <a:schemeClr val="tx1"/>
+                          </a:solidFill>
+                        </a:rPr>
+                        <a:t>Average of historical data</a:t>
+                      </a:r>
+                      <a:endParaRPr lang="en-US" sz="2000" b="1" dirty="0">
+                        <a:solidFill>
+                          <a:schemeClr val="tx1"/>
+                        </a:solidFill>
+                      </a:endParaRPr>
+                    </a:p>
+                  </a:txBody>
+                  <a:tcPr anchor="ctr">
+                    <a:lnL w="38100" cap="flat" cmpd="sng" algn="ctr">
+                      <a:solidFill>
+                        <a:schemeClr val="accent1"/>
+                      </a:solidFill>
+                      <a:prstDash val="solid"/>
+                      <a:round/>
+                      <a:headEnd type="none" w="med" len="med"/>
+                      <a:tailEnd type="none" w="med" len="med"/>
+                    </a:lnL>
+                    <a:lnR w="38100" cap="flat" cmpd="sng" algn="ctr">
+                      <a:solidFill>
+                        <a:schemeClr val="accent1"/>
+                      </a:solidFill>
+                      <a:prstDash val="solid"/>
+                      <a:round/>
+                      <a:headEnd type="none" w="med" len="med"/>
+                      <a:tailEnd type="none" w="med" len="med"/>
+                    </a:lnR>
+                    <a:lnT w="38100" cap="flat" cmpd="sng" algn="ctr">
+                      <a:solidFill>
+                        <a:schemeClr val="accent1"/>
+                      </a:solidFill>
+                      <a:prstDash val="solid"/>
+                      <a:round/>
+                      <a:headEnd type="none" w="med" len="med"/>
+                      <a:tailEnd type="none" w="med" len="med"/>
+                    </a:lnT>
+                    <a:lnB w="38100" cap="flat" cmpd="sng" algn="ctr">
+                      <a:solidFill>
+                        <a:schemeClr val="accent1"/>
+                      </a:solidFill>
+                      <a:prstDash val="solid"/>
+                      <a:round/>
+                      <a:headEnd type="none" w="med" len="med"/>
+                      <a:tailEnd type="none" w="med" len="med"/>
+                    </a:lnB>
+                  </a:tcPr>
                 </a:tc>
               </a:tr>
             </a:tbl>
@@ -6998,6 +8191,435 @@
   <p:clrMapOvr>
     <a:masterClrMapping/>
   </p:clrMapOvr>
+  <mc:AlternateContent xmlns:mc="http://schemas.openxmlformats.org/markup-compatibility/2006" xmlns:p14="http://schemas.microsoft.com/office/powerpoint/2010/main">
+    <mc:Choice Requires="p14">
+      <p:transition spd="med" p14:dur="700">
+        <p:fade/>
+      </p:transition>
+    </mc:Choice>
+    <mc:Fallback xmlns="">
+      <p:transition spd="med">
+        <p:fade/>
+      </p:transition>
+    </mc:Fallback>
+  </mc:AlternateContent>
+  <p:timing>
+    <p:tnLst>
+      <p:par>
+        <p:cTn id="1" dur="indefinite" restart="never" nodeType="tmRoot"/>
+      </p:par>
+    </p:tnLst>
+  </p:timing>
+</p:sld>
+</file>
+
+<file path=ppt/slides/slide6.xml><?xml version="1.0" encoding="utf-8"?>
+<p:sld xmlns:a="http://schemas.openxmlformats.org/drawingml/2006/main" xmlns:r="http://schemas.openxmlformats.org/officeDocument/2006/relationships" xmlns:p="http://schemas.openxmlformats.org/presentationml/2006/main">
+  <p:cSld>
+    <p:spTree>
+      <p:nvGrpSpPr>
+        <p:cNvPr id="1" name=""/>
+        <p:cNvGrpSpPr/>
+        <p:nvPr/>
+      </p:nvGrpSpPr>
+      <p:grpSpPr>
+        <a:xfrm>
+          <a:off x="0" y="0"/>
+          <a:ext cx="0" cy="0"/>
+          <a:chOff x="0" y="0"/>
+          <a:chExt cx="0" cy="0"/>
+        </a:xfrm>
+      </p:grpSpPr>
+      <p:sp>
+        <p:nvSpPr>
+          <p:cNvPr id="2" name="Title 1"/>
+          <p:cNvSpPr>
+            <a:spLocks noGrp="1"/>
+          </p:cNvSpPr>
+          <p:nvPr>
+            <p:ph type="title"/>
+          </p:nvPr>
+        </p:nvSpPr>
+        <p:spPr/>
+        <p:txBody>
+          <a:bodyPr/>
+          <a:lstStyle/>
+          <a:p>
+            <a:r>
+              <a:rPr lang="en-US" b="1" dirty="0"/>
+              <a:t>Average of respective day and </a:t>
+            </a:r>
+            <a:r>
+              <a:rPr lang="en-US" b="1" dirty="0" smtClean="0"/>
+              <a:t>month</a:t>
+            </a:r>
+            <a:endParaRPr lang="en-US" b="1" dirty="0"/>
+          </a:p>
+        </p:txBody>
+      </p:sp>
+      <p:pic>
+        <p:nvPicPr>
+          <p:cNvPr id="4" name="Picture 3"/>
+          <p:cNvPicPr>
+            <a:picLocks noChangeAspect="1"/>
+          </p:cNvPicPr>
+          <p:nvPr/>
+        </p:nvPicPr>
+        <p:blipFill>
+          <a:blip r:embed="rId2">
+            <a:extLst>
+              <a:ext uri="{28A0092B-C50C-407E-A947-70E740481C1C}">
+                <a14:useLocalDpi xmlns:a14="http://schemas.microsoft.com/office/drawing/2010/main" val="0"/>
+              </a:ext>
+            </a:extLst>
+          </a:blip>
+          <a:stretch>
+            <a:fillRect/>
+          </a:stretch>
+        </p:blipFill>
+        <p:spPr>
+          <a:xfrm>
+            <a:off x="162983" y="2079085"/>
+            <a:ext cx="11809941" cy="4064539"/>
+          </a:xfrm>
+          <a:prstGeom prst="rect">
+            <a:avLst/>
+          </a:prstGeom>
+        </p:spPr>
+      </p:pic>
+    </p:spTree>
+    <p:extLst>
+      <p:ext uri="{BB962C8B-B14F-4D97-AF65-F5344CB8AC3E}">
+        <p14:creationId xmlns:p14="http://schemas.microsoft.com/office/powerpoint/2010/main" val="3841282538"/>
+      </p:ext>
+    </p:extLst>
+  </p:cSld>
+  <p:clrMapOvr>
+    <a:masterClrMapping/>
+  </p:clrMapOvr>
+  <mc:AlternateContent xmlns:mc="http://schemas.openxmlformats.org/markup-compatibility/2006" xmlns:p14="http://schemas.microsoft.com/office/powerpoint/2010/main">
+    <mc:Choice Requires="p14">
+      <p:transition spd="med" p14:dur="700">
+        <p:fade/>
+      </p:transition>
+    </mc:Choice>
+    <mc:Fallback xmlns="">
+      <p:transition spd="med">
+        <p:fade/>
+      </p:transition>
+    </mc:Fallback>
+  </mc:AlternateContent>
+  <p:timing>
+    <p:tnLst>
+      <p:par>
+        <p:cTn id="1" dur="indefinite" restart="never" nodeType="tmRoot"/>
+      </p:par>
+    </p:tnLst>
+  </p:timing>
+</p:sld>
+</file>
+
+<file path=ppt/slides/slide7.xml><?xml version="1.0" encoding="utf-8"?>
+<p:sld xmlns:a="http://schemas.openxmlformats.org/drawingml/2006/main" xmlns:r="http://schemas.openxmlformats.org/officeDocument/2006/relationships" xmlns:p="http://schemas.openxmlformats.org/presentationml/2006/main">
+  <p:cSld>
+    <p:spTree>
+      <p:nvGrpSpPr>
+        <p:cNvPr id="1" name=""/>
+        <p:cNvGrpSpPr/>
+        <p:nvPr/>
+      </p:nvGrpSpPr>
+      <p:grpSpPr>
+        <a:xfrm>
+          <a:off x="0" y="0"/>
+          <a:ext cx="0" cy="0"/>
+          <a:chOff x="0" y="0"/>
+          <a:chExt cx="0" cy="0"/>
+        </a:xfrm>
+      </p:grpSpPr>
+      <p:sp>
+        <p:nvSpPr>
+          <p:cNvPr id="2" name="Title 1"/>
+          <p:cNvSpPr>
+            <a:spLocks noGrp="1"/>
+          </p:cNvSpPr>
+          <p:nvPr>
+            <p:ph type="title"/>
+          </p:nvPr>
+        </p:nvSpPr>
+        <p:spPr/>
+        <p:txBody>
+          <a:bodyPr/>
+          <a:lstStyle/>
+          <a:p>
+            <a:r>
+              <a:rPr lang="en-US" b="1" dirty="0" smtClean="0"/>
+              <a:t>Zero</a:t>
+            </a:r>
+            <a:endParaRPr lang="en-US" b="1" dirty="0"/>
+          </a:p>
+        </p:txBody>
+      </p:sp>
+      <p:pic>
+        <p:nvPicPr>
+          <p:cNvPr id="3" name="Picture 2"/>
+          <p:cNvPicPr>
+            <a:picLocks noChangeAspect="1"/>
+          </p:cNvPicPr>
+          <p:nvPr/>
+        </p:nvPicPr>
+        <p:blipFill>
+          <a:blip r:embed="rId2">
+            <a:extLst>
+              <a:ext uri="{28A0092B-C50C-407E-A947-70E740481C1C}">
+                <a14:useLocalDpi xmlns:a14="http://schemas.microsoft.com/office/drawing/2010/main" val="0"/>
+              </a:ext>
+            </a:extLst>
+          </a:blip>
+          <a:stretch>
+            <a:fillRect/>
+          </a:stretch>
+        </p:blipFill>
+        <p:spPr>
+          <a:xfrm>
+            <a:off x="167314" y="2088611"/>
+            <a:ext cx="11824661" cy="4041492"/>
+          </a:xfrm>
+          <a:prstGeom prst="rect">
+            <a:avLst/>
+          </a:prstGeom>
+        </p:spPr>
+      </p:pic>
+    </p:spTree>
+    <p:extLst>
+      <p:ext uri="{BB962C8B-B14F-4D97-AF65-F5344CB8AC3E}">
+        <p14:creationId xmlns:p14="http://schemas.microsoft.com/office/powerpoint/2010/main" val="2384760369"/>
+      </p:ext>
+    </p:extLst>
+  </p:cSld>
+  <p:clrMapOvr>
+    <a:masterClrMapping/>
+  </p:clrMapOvr>
+  <mc:AlternateContent xmlns:mc="http://schemas.openxmlformats.org/markup-compatibility/2006" xmlns:p14="http://schemas.microsoft.com/office/powerpoint/2010/main">
+    <mc:Choice Requires="p14">
+      <p:transition spd="med" p14:dur="700">
+        <p:fade/>
+      </p:transition>
+    </mc:Choice>
+    <mc:Fallback xmlns="">
+      <p:transition spd="med">
+        <p:fade/>
+      </p:transition>
+    </mc:Fallback>
+  </mc:AlternateContent>
+  <p:timing>
+    <p:tnLst>
+      <p:par>
+        <p:cTn id="1" dur="indefinite" restart="never" nodeType="tmRoot"/>
+      </p:par>
+    </p:tnLst>
+  </p:timing>
+</p:sld>
+</file>
+
+<file path=ppt/slides/slide8.xml><?xml version="1.0" encoding="utf-8"?>
+<p:sld xmlns:a="http://schemas.openxmlformats.org/drawingml/2006/main" xmlns:r="http://schemas.openxmlformats.org/officeDocument/2006/relationships" xmlns:p="http://schemas.openxmlformats.org/presentationml/2006/main">
+  <p:cSld>
+    <p:spTree>
+      <p:nvGrpSpPr>
+        <p:cNvPr id="1" name=""/>
+        <p:cNvGrpSpPr/>
+        <p:nvPr/>
+      </p:nvGrpSpPr>
+      <p:grpSpPr>
+        <a:xfrm>
+          <a:off x="0" y="0"/>
+          <a:ext cx="0" cy="0"/>
+          <a:chOff x="0" y="0"/>
+          <a:chExt cx="0" cy="0"/>
+        </a:xfrm>
+      </p:grpSpPr>
+      <p:sp>
+        <p:nvSpPr>
+          <p:cNvPr id="2" name="Title 1"/>
+          <p:cNvSpPr>
+            <a:spLocks noGrp="1"/>
+          </p:cNvSpPr>
+          <p:nvPr>
+            <p:ph type="title"/>
+          </p:nvPr>
+        </p:nvSpPr>
+        <p:spPr/>
+        <p:txBody>
+          <a:bodyPr/>
+          <a:lstStyle/>
+          <a:p>
+            <a:r>
+              <a:rPr lang="en-US" b="1" dirty="0"/>
+              <a:t>Average of respective day</a:t>
+            </a:r>
+          </a:p>
+        </p:txBody>
+      </p:sp>
+      <p:pic>
+        <p:nvPicPr>
+          <p:cNvPr id="4" name="Picture 3"/>
+          <p:cNvPicPr>
+            <a:picLocks noChangeAspect="1"/>
+          </p:cNvPicPr>
+          <p:nvPr/>
+        </p:nvPicPr>
+        <p:blipFill>
+          <a:blip r:embed="rId2">
+            <a:extLst>
+              <a:ext uri="{28A0092B-C50C-407E-A947-70E740481C1C}">
+                <a14:useLocalDpi xmlns:a14="http://schemas.microsoft.com/office/drawing/2010/main" val="0"/>
+              </a:ext>
+            </a:extLst>
+          </a:blip>
+          <a:stretch>
+            <a:fillRect/>
+          </a:stretch>
+        </p:blipFill>
+        <p:spPr>
+          <a:xfrm>
+            <a:off x="167314" y="2088611"/>
+            <a:ext cx="11825550" cy="4041492"/>
+          </a:xfrm>
+          <a:prstGeom prst="rect">
+            <a:avLst/>
+          </a:prstGeom>
+        </p:spPr>
+      </p:pic>
+    </p:spTree>
+    <p:extLst>
+      <p:ext uri="{BB962C8B-B14F-4D97-AF65-F5344CB8AC3E}">
+        <p14:creationId xmlns:p14="http://schemas.microsoft.com/office/powerpoint/2010/main" val="2746177177"/>
+      </p:ext>
+    </p:extLst>
+  </p:cSld>
+  <p:clrMapOvr>
+    <a:masterClrMapping/>
+  </p:clrMapOvr>
+  <mc:AlternateContent xmlns:mc="http://schemas.openxmlformats.org/markup-compatibility/2006" xmlns:p14="http://schemas.microsoft.com/office/powerpoint/2010/main">
+    <mc:Choice Requires="p14">
+      <p:transition spd="med" p14:dur="700">
+        <p:fade/>
+      </p:transition>
+    </mc:Choice>
+    <mc:Fallback xmlns="">
+      <p:transition spd="med">
+        <p:fade/>
+      </p:transition>
+    </mc:Fallback>
+  </mc:AlternateContent>
+  <p:timing>
+    <p:tnLst>
+      <p:par>
+        <p:cTn id="1" dur="indefinite" restart="never" nodeType="tmRoot"/>
+      </p:par>
+    </p:tnLst>
+  </p:timing>
+</p:sld>
+</file>
+
+<file path=ppt/slides/slide9.xml><?xml version="1.0" encoding="utf-8"?>
+<p:sld xmlns:a="http://schemas.openxmlformats.org/drawingml/2006/main" xmlns:r="http://schemas.openxmlformats.org/officeDocument/2006/relationships" xmlns:p="http://schemas.openxmlformats.org/presentationml/2006/main">
+  <p:cSld>
+    <p:spTree>
+      <p:nvGrpSpPr>
+        <p:cNvPr id="1" name=""/>
+        <p:cNvGrpSpPr/>
+        <p:nvPr/>
+      </p:nvGrpSpPr>
+      <p:grpSpPr>
+        <a:xfrm>
+          <a:off x="0" y="0"/>
+          <a:ext cx="0" cy="0"/>
+          <a:chOff x="0" y="0"/>
+          <a:chExt cx="0" cy="0"/>
+        </a:xfrm>
+      </p:grpSpPr>
+      <p:sp>
+        <p:nvSpPr>
+          <p:cNvPr id="2" name="Title 1"/>
+          <p:cNvSpPr>
+            <a:spLocks noGrp="1"/>
+          </p:cNvSpPr>
+          <p:nvPr>
+            <p:ph type="title"/>
+          </p:nvPr>
+        </p:nvSpPr>
+        <p:spPr/>
+        <p:txBody>
+          <a:bodyPr/>
+          <a:lstStyle/>
+          <a:p>
+            <a:r>
+              <a:rPr lang="en-US" b="1" dirty="0"/>
+              <a:t>Average of historical data</a:t>
+            </a:r>
+          </a:p>
+        </p:txBody>
+      </p:sp>
+      <p:pic>
+        <p:nvPicPr>
+          <p:cNvPr id="3" name="Picture 2"/>
+          <p:cNvPicPr>
+            <a:picLocks noChangeAspect="1"/>
+          </p:cNvPicPr>
+          <p:nvPr/>
+        </p:nvPicPr>
+        <p:blipFill>
+          <a:blip r:embed="rId2">
+            <a:extLst>
+              <a:ext uri="{28A0092B-C50C-407E-A947-70E740481C1C}">
+                <a14:useLocalDpi xmlns:a14="http://schemas.microsoft.com/office/drawing/2010/main" val="0"/>
+              </a:ext>
+            </a:extLst>
+          </a:blip>
+          <a:stretch>
+            <a:fillRect/>
+          </a:stretch>
+        </p:blipFill>
+        <p:spPr>
+          <a:xfrm>
+            <a:off x="167313" y="2088611"/>
+            <a:ext cx="11744097" cy="4041492"/>
+          </a:xfrm>
+          <a:prstGeom prst="rect">
+            <a:avLst/>
+          </a:prstGeom>
+        </p:spPr>
+      </p:pic>
+    </p:spTree>
+    <p:extLst>
+      <p:ext uri="{BB962C8B-B14F-4D97-AF65-F5344CB8AC3E}">
+        <p14:creationId xmlns:p14="http://schemas.microsoft.com/office/powerpoint/2010/main" val="1704680988"/>
+      </p:ext>
+    </p:extLst>
+  </p:cSld>
+  <p:clrMapOvr>
+    <a:masterClrMapping/>
+  </p:clrMapOvr>
+  <mc:AlternateContent xmlns:mc="http://schemas.openxmlformats.org/markup-compatibility/2006" xmlns:p14="http://schemas.microsoft.com/office/powerpoint/2010/main">
+    <mc:Choice Requires="p14">
+      <p:transition spd="med" p14:dur="700">
+        <p:fade/>
+      </p:transition>
+    </mc:Choice>
+    <mc:Fallback xmlns="">
+      <p:transition spd="med">
+        <p:fade/>
+      </p:transition>
+    </mc:Fallback>
+  </mc:AlternateContent>
+  <p:timing>
+    <p:tnLst>
+      <p:par>
+        <p:cTn id="1" dur="indefinite" restart="never" nodeType="tmRoot"/>
+      </p:par>
+    </p:tnLst>
+  </p:timing>
 </p:sld>
 </file>
 
